--- a/Apresentação.pptx
+++ b/Apresentação.pptx
@@ -136,7 +136,7 @@
 <file path=ppt/revisionInfo.xml><?xml version="1.0" encoding="utf-8"?>
 <p1510:revInfo xmlns:a="http://schemas.openxmlformats.org/drawingml/2006/main" xmlns:r="http://schemas.openxmlformats.org/officeDocument/2006/relationships" xmlns:p1510="http://schemas.microsoft.com/office/powerpoint/2015/10/main">
   <p1510:revLst>
-    <p1510:client id="{506275D0-DD38-4E13-8374-2FB445015ADE}" v="364" dt="2023-06-13T10:26:40.400"/>
+    <p1510:client id="{506275D0-DD38-4E13-8374-2FB445015ADE}" v="367" dt="2023-06-14T12:47:07.885"/>
   </p1510:revLst>
 </p1510:revInfo>
 </file>
@@ -146,7 +146,7 @@
   <pc:docChgLst>
     <pc:chgData name="ISABELLE NASCIMENTO DE OLIVEIRA" userId="ed73b9a0-0809-40b6-bae4-8f2ceea8b235" providerId="ADAL" clId="{506275D0-DD38-4E13-8374-2FB445015ADE}"/>
     <pc:docChg chg="undo custSel addSld delSld modSld sldOrd">
-      <pc:chgData name="ISABELLE NASCIMENTO DE OLIVEIRA" userId="ed73b9a0-0809-40b6-bae4-8f2ceea8b235" providerId="ADAL" clId="{506275D0-DD38-4E13-8374-2FB445015ADE}" dt="2023-06-13T10:26:46.187" v="2486" actId="1076"/>
+      <pc:chgData name="ISABELLE NASCIMENTO DE OLIVEIRA" userId="ed73b9a0-0809-40b6-bae4-8f2ceea8b235" providerId="ADAL" clId="{506275D0-DD38-4E13-8374-2FB445015ADE}" dt="2023-06-14T12:47:07.885" v="2876"/>
       <pc:docMkLst>
         <pc:docMk/>
       </pc:docMkLst>
@@ -198,7 +198,7 @@
         </pc:cxnChg>
       </pc:sldChg>
       <pc:sldChg chg="addSp delSp modSp mod modTransition">
-        <pc:chgData name="ISABELLE NASCIMENTO DE OLIVEIRA" userId="ed73b9a0-0809-40b6-bae4-8f2ceea8b235" providerId="ADAL" clId="{506275D0-DD38-4E13-8374-2FB445015ADE}" dt="2023-06-06T10:49:50.097" v="1480"/>
+        <pc:chgData name="ISABELLE NASCIMENTO DE OLIVEIRA" userId="ed73b9a0-0809-40b6-bae4-8f2ceea8b235" providerId="ADAL" clId="{506275D0-DD38-4E13-8374-2FB445015ADE}" dt="2023-06-14T12:46:18.852" v="2875" actId="123"/>
         <pc:sldMkLst>
           <pc:docMk/>
           <pc:sldMk cId="733044334" sldId="257"/>
@@ -212,7 +212,7 @@
           </ac:spMkLst>
         </pc:spChg>
         <pc:spChg chg="mod">
-          <ac:chgData name="ISABELLE NASCIMENTO DE OLIVEIRA" userId="ed73b9a0-0809-40b6-bae4-8f2ceea8b235" providerId="ADAL" clId="{506275D0-DD38-4E13-8374-2FB445015ADE}" dt="2023-05-23T11:17:12.390" v="952" actId="14100"/>
+          <ac:chgData name="ISABELLE NASCIMENTO DE OLIVEIRA" userId="ed73b9a0-0809-40b6-bae4-8f2ceea8b235" providerId="ADAL" clId="{506275D0-DD38-4E13-8374-2FB445015ADE}" dt="2023-06-14T12:46:18.852" v="2875" actId="123"/>
           <ac:spMkLst>
             <pc:docMk/>
             <pc:sldMk cId="733044334" sldId="257"/>
@@ -706,7 +706,7 @@
         </pc:cxnChg>
       </pc:sldChg>
       <pc:sldChg chg="addSp delSp modSp add mod modTransition addCm">
-        <pc:chgData name="ISABELLE NASCIMENTO DE OLIVEIRA" userId="ed73b9a0-0809-40b6-bae4-8f2ceea8b235" providerId="ADAL" clId="{506275D0-DD38-4E13-8374-2FB445015ADE}" dt="2023-05-26T12:53:34.048" v="1198" actId="1076"/>
+        <pc:chgData name="ISABELLE NASCIMENTO DE OLIVEIRA" userId="ed73b9a0-0809-40b6-bae4-8f2ceea8b235" providerId="ADAL" clId="{506275D0-DD38-4E13-8374-2FB445015ADE}" dt="2023-06-14T12:41:26.944" v="2741"/>
         <pc:sldMkLst>
           <pc:docMk/>
           <pc:sldMk cId="2893982925" sldId="261"/>
@@ -829,7 +829,7 @@
         </pc:extLst>
       </pc:sldChg>
       <pc:sldChg chg="addSp delSp modSp new mod modTransition">
-        <pc:chgData name="ISABELLE NASCIMENTO DE OLIVEIRA" userId="ed73b9a0-0809-40b6-bae4-8f2ceea8b235" providerId="ADAL" clId="{506275D0-DD38-4E13-8374-2FB445015ADE}" dt="2023-05-26T12:53:57.680" v="1202"/>
+        <pc:chgData name="ISABELLE NASCIMENTO DE OLIVEIRA" userId="ed73b9a0-0809-40b6-bae4-8f2ceea8b235" providerId="ADAL" clId="{506275D0-DD38-4E13-8374-2FB445015ADE}" dt="2023-06-14T12:41:30.562" v="2742"/>
         <pc:sldMkLst>
           <pc:docMk/>
           <pc:sldMk cId="3628743238" sldId="262"/>
@@ -1427,7 +1427,7 @@
         </pc:sldMkLst>
       </pc:sldChg>
       <pc:sldChg chg="addSp delSp modSp add mod modTransition">
-        <pc:chgData name="ISABELLE NASCIMENTO DE OLIVEIRA" userId="ed73b9a0-0809-40b6-bae4-8f2ceea8b235" providerId="ADAL" clId="{506275D0-DD38-4E13-8374-2FB445015ADE}" dt="2023-06-06T10:47:45.173" v="1466" actId="1076"/>
+        <pc:chgData name="ISABELLE NASCIMENTO DE OLIVEIRA" userId="ed73b9a0-0809-40b6-bae4-8f2ceea8b235" providerId="ADAL" clId="{506275D0-DD38-4E13-8374-2FB445015ADE}" dt="2023-06-14T12:47:07.885" v="2876"/>
         <pc:sldMkLst>
           <pc:docMk/>
           <pc:sldMk cId="3629130723" sldId="267"/>
@@ -1586,7 +1586,7 @@
         </pc:picChg>
       </pc:sldChg>
       <pc:sldChg chg="addSp delSp modSp new add del mod">
-        <pc:chgData name="ISABELLE NASCIMENTO DE OLIVEIRA" userId="ed73b9a0-0809-40b6-bae4-8f2ceea8b235" providerId="ADAL" clId="{506275D0-DD38-4E13-8374-2FB445015ADE}" dt="2023-05-26T12:56:15.876" v="1233" actId="47"/>
+        <pc:chgData name="ISABELLE NASCIMENTO DE OLIVEIRA" userId="ed73b9a0-0809-40b6-bae4-8f2ceea8b235" providerId="ADAL" clId="{506275D0-DD38-4E13-8374-2FB445015ADE}" dt="2023-06-14T12:42:35.443" v="2787" actId="20577"/>
         <pc:sldMkLst>
           <pc:docMk/>
           <pc:sldMk cId="1077320549" sldId="268"/>
@@ -1600,7 +1600,7 @@
           </ac:spMkLst>
         </pc:spChg>
         <pc:spChg chg="add mod">
-          <ac:chgData name="ISABELLE NASCIMENTO DE OLIVEIRA" userId="ed73b9a0-0809-40b6-bae4-8f2ceea8b235" providerId="ADAL" clId="{506275D0-DD38-4E13-8374-2FB445015ADE}" dt="2023-05-23T11:14:40.365" v="939" actId="20577"/>
+          <ac:chgData name="ISABELLE NASCIMENTO DE OLIVEIRA" userId="ed73b9a0-0809-40b6-bae4-8f2ceea8b235" providerId="ADAL" clId="{506275D0-DD38-4E13-8374-2FB445015ADE}" dt="2023-06-14T12:42:35.443" v="2787" actId="20577"/>
           <ac:spMkLst>
             <pc:docMk/>
             <pc:sldMk cId="1077320549" sldId="268"/>
@@ -2318,13 +2318,13 @@
         </pc:picChg>
       </pc:sldChg>
       <pc:sldChg chg="addSp delSp modSp add mod">
-        <pc:chgData name="ISABELLE NASCIMENTO DE OLIVEIRA" userId="ed73b9a0-0809-40b6-bae4-8f2ceea8b235" providerId="ADAL" clId="{506275D0-DD38-4E13-8374-2FB445015ADE}" dt="2023-06-13T10:26:06.783" v="2481" actId="1076"/>
+        <pc:chgData name="ISABELLE NASCIMENTO DE OLIVEIRA" userId="ed73b9a0-0809-40b6-bae4-8f2ceea8b235" providerId="ADAL" clId="{506275D0-DD38-4E13-8374-2FB445015ADE}" dt="2023-06-14T12:40:06.124" v="2722" actId="20577"/>
         <pc:sldMkLst>
           <pc:docMk/>
           <pc:sldMk cId="3786858544" sldId="276"/>
         </pc:sldMkLst>
         <pc:spChg chg="mod">
-          <ac:chgData name="ISABELLE NASCIMENTO DE OLIVEIRA" userId="ed73b9a0-0809-40b6-bae4-8f2ceea8b235" providerId="ADAL" clId="{506275D0-DD38-4E13-8374-2FB445015ADE}" dt="2023-06-13T10:24:26.136" v="2474" actId="20577"/>
+          <ac:chgData name="ISABELLE NASCIMENTO DE OLIVEIRA" userId="ed73b9a0-0809-40b6-bae4-8f2ceea8b235" providerId="ADAL" clId="{506275D0-DD38-4E13-8374-2FB445015ADE}" dt="2023-06-14T12:40:06.124" v="2722" actId="20577"/>
           <ac:spMkLst>
             <pc:docMk/>
             <pc:sldMk cId="3786858544" sldId="276"/>
@@ -2488,7 +2488,7 @@
           <a:p>
             <a:fld id="{9ED18211-3CDA-4530-8393-22833EA9F8E8}" type="datetimeFigureOut">
               <a:rPr lang="pt-BR" smtClean="0"/>
-              <a:t>13/06/2023</a:t>
+              <a:t>14/06/2023</a:t>
             </a:fld>
             <a:endParaRPr lang="pt-BR"/>
           </a:p>
@@ -3147,7 +3147,7 @@
           <a:p>
             <a:fld id="{62D6E202-B606-4609-B914-27C9371A1F6D}" type="datetime1">
               <a:rPr lang="en-US" smtClean="0"/>
-              <a:t>6/13/2023</a:t>
+              <a:t>6/14/2023</a:t>
             </a:fld>
             <a:endParaRPr lang="en-US" dirty="0"/>
           </a:p>
@@ -3318,7 +3318,7 @@
           <a:p>
             <a:fld id="{62D6E202-B606-4609-B914-27C9371A1F6D}" type="datetime1">
               <a:rPr lang="en-US" smtClean="0"/>
-              <a:t>6/13/2023</a:t>
+              <a:t>6/14/2023</a:t>
             </a:fld>
             <a:endParaRPr lang="en-US" dirty="0"/>
           </a:p>
@@ -3499,7 +3499,7 @@
           <a:p>
             <a:fld id="{62D6E202-B606-4609-B914-27C9371A1F6D}" type="datetime1">
               <a:rPr lang="en-US" smtClean="0"/>
-              <a:t>6/13/2023</a:t>
+              <a:t>6/14/2023</a:t>
             </a:fld>
             <a:endParaRPr lang="en-US" dirty="0"/>
           </a:p>
@@ -3670,7 +3670,7 @@
           <a:p>
             <a:fld id="{62D6E202-B606-4609-B914-27C9371A1F6D}" type="datetime1">
               <a:rPr lang="en-US" smtClean="0"/>
-              <a:t>6/13/2023</a:t>
+              <a:t>6/14/2023</a:t>
             </a:fld>
             <a:endParaRPr lang="en-US" dirty="0"/>
           </a:p>
@@ -3929,7 +3929,7 @@
           <a:p>
             <a:fld id="{62D6E202-B606-4609-B914-27C9371A1F6D}" type="datetime1">
               <a:rPr lang="en-US" smtClean="0"/>
-              <a:t>6/13/2023</a:t>
+              <a:t>6/14/2023</a:t>
             </a:fld>
             <a:endParaRPr lang="en-US" dirty="0"/>
           </a:p>
@@ -4218,7 +4218,7 @@
           <a:p>
             <a:fld id="{62D6E202-B606-4609-B914-27C9371A1F6D}" type="datetime1">
               <a:rPr lang="en-US" smtClean="0"/>
-              <a:t>6/13/2023</a:t>
+              <a:t>6/14/2023</a:t>
             </a:fld>
             <a:endParaRPr lang="en-US" dirty="0"/>
           </a:p>
@@ -4661,7 +4661,7 @@
           <a:p>
             <a:fld id="{62D6E202-B606-4609-B914-27C9371A1F6D}" type="datetime1">
               <a:rPr lang="en-US" smtClean="0"/>
-              <a:t>6/13/2023</a:t>
+              <a:t>6/14/2023</a:t>
             </a:fld>
             <a:endParaRPr lang="en-US" dirty="0"/>
           </a:p>
@@ -4780,7 +4780,7 @@
           <a:p>
             <a:fld id="{62D6E202-B606-4609-B914-27C9371A1F6D}" type="datetime1">
               <a:rPr lang="en-US" smtClean="0"/>
-              <a:t>6/13/2023</a:t>
+              <a:t>6/14/2023</a:t>
             </a:fld>
             <a:endParaRPr lang="en-US" dirty="0"/>
           </a:p>
@@ -4876,7 +4876,7 @@
           <a:p>
             <a:fld id="{62D6E202-B606-4609-B914-27C9371A1F6D}" type="datetime1">
               <a:rPr lang="en-US" smtClean="0"/>
-              <a:t>6/13/2023</a:t>
+              <a:t>6/14/2023</a:t>
             </a:fld>
             <a:endParaRPr lang="en-US" dirty="0"/>
           </a:p>
@@ -5165,7 +5165,7 @@
           <a:p>
             <a:fld id="{62D6E202-B606-4609-B914-27C9371A1F6D}" type="datetime1">
               <a:rPr lang="en-US" smtClean="0"/>
-              <a:t>6/13/2023</a:t>
+              <a:t>6/14/2023</a:t>
             </a:fld>
             <a:endParaRPr lang="en-US" dirty="0"/>
           </a:p>
@@ -5439,7 +5439,7 @@
           <a:p>
             <a:fld id="{62D6E202-B606-4609-B914-27C9371A1F6D}" type="datetime1">
               <a:rPr lang="en-US" smtClean="0"/>
-              <a:t>6/13/2023</a:t>
+              <a:t>6/14/2023</a:t>
             </a:fld>
             <a:endParaRPr lang="en-US" dirty="0"/>
           </a:p>
@@ -5737,7 +5737,7 @@
           <a:p>
             <a:fld id="{62D6E202-B606-4609-B914-27C9371A1F6D}" type="datetime1">
               <a:rPr lang="en-US" smtClean="0"/>
-              <a:t>6/13/2023</a:t>
+              <a:t>6/14/2023</a:t>
             </a:fld>
             <a:endParaRPr lang="en-US" dirty="0"/>
           </a:p>
@@ -6354,7 +6354,7 @@
                   <a:srgbClr val="FFFFFF"/>
                 </a:solidFill>
               </a:rPr>
-              <a:t>SOLUÇÃO PARA O AUTOATENDIMENTO</a:t>
+              <a:t>SOLUÇÃO PARA O MAU ATENDIMENTO </a:t>
             </a:r>
           </a:p>
         </p:txBody>
@@ -7313,14 +7313,14 @@
   <p:clrMapOvr>
     <a:masterClrMapping/>
   </p:clrMapOvr>
-  <mc:AlternateContent xmlns:mc="http://schemas.openxmlformats.org/markup-compatibility/2006" xmlns:p159="http://schemas.microsoft.com/office/powerpoint/2015/09/main">
-    <mc:Choice Requires="p159">
-      <p:transition xmlns:p14="http://schemas.microsoft.com/office/powerpoint/2010/main" spd="slow" p14:dur="2000">
-        <p159:morph option="byObject"/>
+  <mc:AlternateContent xmlns:mc="http://schemas.openxmlformats.org/markup-compatibility/2006">
+    <mc:Choice xmlns:p14="http://schemas.microsoft.com/office/powerpoint/2010/main" Requires="p14">
+      <p:transition spd="med" p14:dur="700">
+        <p:fade/>
       </p:transition>
     </mc:Choice>
-    <mc:Fallback xmlns="">
-      <p:transition spd="slow">
+    <mc:Fallback>
+      <p:transition spd="med">
         <p:fade/>
       </p:transition>
     </mc:Fallback>
@@ -7688,14 +7688,14 @@
   <p:clrMapOvr>
     <a:masterClrMapping/>
   </p:clrMapOvr>
-  <mc:AlternateContent xmlns:mc="http://schemas.openxmlformats.org/markup-compatibility/2006" xmlns:p159="http://schemas.microsoft.com/office/powerpoint/2015/09/main">
-    <mc:Choice Requires="p159">
-      <p:transition xmlns:p14="http://schemas.microsoft.com/office/powerpoint/2010/main" spd="slow" p14:dur="2000">
-        <p159:morph option="byObject"/>
+  <mc:AlternateContent xmlns:mc="http://schemas.openxmlformats.org/markup-compatibility/2006">
+    <mc:Choice xmlns:p14="http://schemas.microsoft.com/office/powerpoint/2010/main" Requires="p14">
+      <p:transition spd="med" p14:dur="700">
+        <p:fade/>
       </p:transition>
     </mc:Choice>
-    <mc:Fallback xmlns="">
-      <p:transition spd="slow">
+    <mc:Fallback>
+      <p:transition spd="med">
         <p:fade/>
       </p:transition>
     </mc:Fallback>
@@ -8284,10 +8284,11 @@
         </p:spPr>
         <p:txBody>
           <a:bodyPr>
-            <a:normAutofit/>
+            <a:noAutofit/>
           </a:bodyPr>
           <a:lstStyle/>
           <a:p>
+            <a:pPr algn="just"/>
             <a:r>
               <a:rPr lang="pt-BR" sz="3200" dirty="0">
                 <a:solidFill>
@@ -8297,8 +8298,28 @@
                 </a:solidFill>
                 <a:latin typeface="Abadi" panose="020B0604020104020204" pitchFamily="34" charset="0"/>
               </a:rPr>
-              <a:t>O problema que tivemos é em relação ao mal atendimento em um restaurante chines.</a:t>
-            </a:r>
+              <a:t>O problema que tivemos é em relação ao mau atendimento em um restaurante japonês pois os clientes chegam ao restaurante </a:t>
+            </a:r>
+            <a:r>
+              <a:rPr lang="pt-BR" sz="3200" i="0" dirty="0">
+                <a:solidFill>
+                  <a:schemeClr val="accent1">
+                    <a:lumMod val="50000"/>
+                  </a:schemeClr>
+                </a:solidFill>
+                <a:effectLst/>
+                <a:latin typeface="Abadi" panose="020B0604020104020204" pitchFamily="34" charset="0"/>
+              </a:rPr>
+              <a:t>e encontra certa dificuldade para realizar seus pedidos. Nossas avaliações dão conta de que essa experiência tem sido traumática.</a:t>
+            </a:r>
+            <a:endParaRPr lang="pt-BR" sz="3200" dirty="0">
+              <a:solidFill>
+                <a:schemeClr val="accent1">
+                  <a:lumMod val="50000"/>
+                </a:schemeClr>
+              </a:solidFill>
+              <a:latin typeface="Abadi" panose="020B0604020104020204" pitchFamily="34" charset="0"/>
+            </a:endParaRPr>
           </a:p>
         </p:txBody>
       </p:sp>
@@ -11153,7 +11174,55 @@
                 </a:solidFill>
                 <a:latin typeface="Arial Nova (Corpo)"/>
               </a:rPr>
-              <a:t>Criação da plataforma: 25 mil.</a:t>
+              <a:t>Painel com voz acoplada: 8mil.</a:t>
+            </a:r>
+          </a:p>
+          <a:p>
+            <a:pPr marL="0" indent="0" algn="just">
+              <a:buNone/>
+            </a:pPr>
+            <a:r>
+              <a:rPr lang="pt-BR" sz="2400" dirty="0">
+                <a:solidFill>
+                  <a:schemeClr val="accent1">
+                    <a:lumMod val="50000"/>
+                  </a:schemeClr>
+                </a:solidFill>
+                <a:latin typeface="Arial Nova (Corpo)"/>
+              </a:rPr>
+              <a:t>Licença: 800 reais.</a:t>
+            </a:r>
+          </a:p>
+          <a:p>
+            <a:pPr marL="0" indent="0" algn="just">
+              <a:buNone/>
+            </a:pPr>
+            <a:r>
+              <a:rPr lang="pt-BR" sz="2400" dirty="0">
+                <a:solidFill>
+                  <a:schemeClr val="accent1">
+                    <a:lumMod val="50000"/>
+                  </a:schemeClr>
+                </a:solidFill>
+                <a:latin typeface="Arial Nova (Corpo)"/>
+              </a:rPr>
+              <a:t>Criação de um site: 600 a 11mil.</a:t>
+            </a:r>
+          </a:p>
+          <a:p>
+            <a:pPr marL="0" indent="0" algn="just">
+              <a:buNone/>
+            </a:pPr>
+            <a:r>
+              <a:rPr lang="pt-BR" sz="2400" dirty="0">
+                <a:solidFill>
+                  <a:schemeClr val="accent1">
+                    <a:lumMod val="50000"/>
+                  </a:schemeClr>
+                </a:solidFill>
+                <a:latin typeface="Arial Nova (Corpo)"/>
+              </a:rPr>
+              <a:t>Hospedagem da plataforma R$ 6.99 e R$17.99/mês.</a:t>
             </a:r>
           </a:p>
           <a:p>
@@ -11171,6 +11240,19 @@
               </a:rPr>
               <a:t>Criação de um cardápio virtual: 300 a 600 reais.</a:t>
             </a:r>
+          </a:p>
+          <a:p>
+            <a:pPr marL="0" indent="0" algn="just">
+              <a:buNone/>
+            </a:pPr>
+            <a:endParaRPr lang="pt-BR" sz="2400" dirty="0">
+              <a:solidFill>
+                <a:schemeClr val="accent1">
+                  <a:lumMod val="50000"/>
+                </a:schemeClr>
+              </a:solidFill>
+              <a:latin typeface="Arial Nova (Corpo)"/>
+            </a:endParaRPr>
           </a:p>
         </p:txBody>
       </p:sp>
@@ -12606,13 +12688,13 @@
   <p:clrMapOvr>
     <a:masterClrMapping/>
   </p:clrMapOvr>
-  <mc:AlternateContent xmlns:mc="http://schemas.openxmlformats.org/markup-compatibility/2006" xmlns:p159="http://schemas.microsoft.com/office/powerpoint/2015/09/main">
-    <mc:Choice Requires="p159">
-      <p:transition xmlns:p14="http://schemas.microsoft.com/office/powerpoint/2010/main" spd="slow" p14:dur="2000">
+  <mc:AlternateContent xmlns:mc="http://schemas.openxmlformats.org/markup-compatibility/2006">
+    <mc:Choice xmlns:p159="http://schemas.microsoft.com/office/powerpoint/2015/09/main" Requires="p159">
+      <p:transition spd="slow">
         <p159:morph option="byObject"/>
       </p:transition>
     </mc:Choice>
-    <mc:Fallback xmlns="">
+    <mc:Fallback>
       <p:transition spd="slow">
         <p:fade/>
       </p:transition>
@@ -13612,16 +13694,16 @@
 <file path=customXml/itemProps2.xml><?xml version="1.0" encoding="utf-8"?>
 <ds:datastoreItem xmlns:ds="http://schemas.openxmlformats.org/officeDocument/2006/customXml" ds:itemID="{ED6AA852-0560-4B5E-B3E5-EE55A624DBB9}">
   <ds:schemaRefs>
-    <ds:schemaRef ds:uri="http://purl.org/dc/terms/"/>
-    <ds:schemaRef ds:uri="http://schemas.microsoft.com/office/2006/documentManagement/types"/>
     <ds:schemaRef ds:uri="http://www.w3.org/XML/1998/namespace"/>
-    <ds:schemaRef ds:uri="http://purl.org/dc/elements/1.1/"/>
     <ds:schemaRef ds:uri="35417d2b-47f2-4ed7-ae50-74f1399eb1fc"/>
     <ds:schemaRef ds:uri="http://schemas.microsoft.com/office/2006/metadata/properties"/>
+    <ds:schemaRef ds:uri="http://purl.org/dc/terms/"/>
+    <ds:schemaRef ds:uri="7fbbf8c6-c8cf-43e0-98e8-d11494a93087"/>
     <ds:schemaRef ds:uri="http://schemas.microsoft.com/office/infopath/2007/PartnerControls"/>
+    <ds:schemaRef ds:uri="http://schemas.microsoft.com/office/2006/documentManagement/types"/>
     <ds:schemaRef ds:uri="http://schemas.openxmlformats.org/package/2006/metadata/core-properties"/>
-    <ds:schemaRef ds:uri="7fbbf8c6-c8cf-43e0-98e8-d11494a93087"/>
     <ds:schemaRef ds:uri="http://purl.org/dc/dcmitype/"/>
+    <ds:schemaRef ds:uri="http://purl.org/dc/elements/1.1/"/>
   </ds:schemaRefs>
 </ds:datastoreItem>
 </file>
